--- a/toki/tokistorage-client-deck-en.pptx
+++ b/toki/tokistorage-client-deck-en.pptx
@@ -5627,7 +5627,7 @@
         <p:spPr>
           <a:xfrm>
             <a:off x="457200" y="1051560"/>
-            <a:ext cx="7863840" cy="804672"/>
+            <a:ext cx="7863840" cy="877824"/>
           </a:xfrm>
           <a:prstGeom prst="rect">
             <a:avLst/>
@@ -5671,7 +5671,7 @@
         </p:nvSpPr>
         <p:spPr>
           <a:xfrm>
-            <a:off x="621792" y="1216152"/>
+            <a:off x="621792" y="1234440"/>
             <a:ext cx="457200" cy="457200"/>
           </a:xfrm>
           <a:prstGeom prst="ellipse">
@@ -5714,7 +5714,7 @@
         </p:nvSpPr>
         <p:spPr>
           <a:xfrm>
-            <a:off x="621792" y="1216152"/>
+            <a:off x="621792" y="1234440"/>
             <a:ext cx="457200" cy="457200"/>
           </a:xfrm>
           <a:prstGeom prst="rect">
@@ -5758,7 +5758,7 @@
         <p:spPr>
           <a:xfrm>
             <a:off x="1234440" y="1124712"/>
-            <a:ext cx="6949440" cy="292608"/>
+            <a:ext cx="6949440" cy="274320"/>
           </a:xfrm>
           <a:prstGeom prst="rect">
             <a:avLst/>
@@ -5800,8 +5800,8 @@
         </p:nvSpPr>
         <p:spPr>
           <a:xfrm>
-            <a:off x="1234440" y="1435608"/>
-            <a:ext cx="6949440" cy="384048"/>
+            <a:off x="1234440" y="1380744"/>
+            <a:ext cx="6949440" cy="475488"/>
           </a:xfrm>
           <a:prstGeom prst="rect">
             <a:avLst/>
@@ -5843,8 +5843,8 @@
         </p:nvSpPr>
         <p:spPr>
           <a:xfrm>
-            <a:off x="457200" y="1929384"/>
-            <a:ext cx="7863840" cy="804672"/>
+            <a:off x="457200" y="1984248"/>
+            <a:ext cx="7863840" cy="877824"/>
           </a:xfrm>
           <a:prstGeom prst="rect">
             <a:avLst/>
@@ -5888,7 +5888,7 @@
         </p:nvSpPr>
         <p:spPr>
           <a:xfrm>
-            <a:off x="621792" y="2093976"/>
+            <a:off x="621792" y="2167128"/>
             <a:ext cx="457200" cy="457200"/>
           </a:xfrm>
           <a:prstGeom prst="ellipse">
@@ -5931,7 +5931,7 @@
         </p:nvSpPr>
         <p:spPr>
           <a:xfrm>
-            <a:off x="621792" y="2093976"/>
+            <a:off x="621792" y="2167128"/>
             <a:ext cx="457200" cy="457200"/>
           </a:xfrm>
           <a:prstGeom prst="rect">
@@ -5974,8 +5974,8 @@
         </p:nvSpPr>
         <p:spPr>
           <a:xfrm>
-            <a:off x="1234440" y="2002536"/>
-            <a:ext cx="6949440" cy="292608"/>
+            <a:off x="1234440" y="2057400"/>
+            <a:ext cx="6949440" cy="274320"/>
           </a:xfrm>
           <a:prstGeom prst="rect">
             <a:avLst/>
@@ -6018,7 +6018,7 @@
         <p:spPr>
           <a:xfrm>
             <a:off x="1234440" y="2313432"/>
-            <a:ext cx="6949440" cy="384048"/>
+            <a:ext cx="6949440" cy="475488"/>
           </a:xfrm>
           <a:prstGeom prst="rect">
             <a:avLst/>
@@ -6060,8 +6060,8 @@
         </p:nvSpPr>
         <p:spPr>
           <a:xfrm>
-            <a:off x="457200" y="2807208"/>
-            <a:ext cx="7863840" cy="804672"/>
+            <a:off x="457200" y="2916936"/>
+            <a:ext cx="7863840" cy="877824"/>
           </a:xfrm>
           <a:prstGeom prst="rect">
             <a:avLst/>
@@ -6105,7 +6105,7 @@
         </p:nvSpPr>
         <p:spPr>
           <a:xfrm>
-            <a:off x="621792" y="2971800"/>
+            <a:off x="621792" y="3099816"/>
             <a:ext cx="457200" cy="457200"/>
           </a:xfrm>
           <a:prstGeom prst="ellipse">
@@ -6148,7 +6148,7 @@
         </p:nvSpPr>
         <p:spPr>
           <a:xfrm>
-            <a:off x="621792" y="2971800"/>
+            <a:off x="621792" y="3099816"/>
             <a:ext cx="457200" cy="457200"/>
           </a:xfrm>
           <a:prstGeom prst="rect">
@@ -6191,8 +6191,8 @@
         </p:nvSpPr>
         <p:spPr>
           <a:xfrm>
-            <a:off x="1234440" y="2880360"/>
-            <a:ext cx="6949440" cy="292608"/>
+            <a:off x="1234440" y="2990088"/>
+            <a:ext cx="6949440" cy="274320"/>
           </a:xfrm>
           <a:prstGeom prst="rect">
             <a:avLst/>
@@ -6234,8 +6234,8 @@
         </p:nvSpPr>
         <p:spPr>
           <a:xfrm>
-            <a:off x="1234440" y="3191256"/>
-            <a:ext cx="6949440" cy="384048"/>
+            <a:off x="1234440" y="3246120"/>
+            <a:ext cx="6949440" cy="475488"/>
           </a:xfrm>
           <a:prstGeom prst="rect">
             <a:avLst/>
@@ -6277,8 +6277,8 @@
         </p:nvSpPr>
         <p:spPr>
           <a:xfrm>
-            <a:off x="457200" y="3685032"/>
-            <a:ext cx="7863840" cy="804672"/>
+            <a:off x="457200" y="3849624"/>
+            <a:ext cx="7863840" cy="877824"/>
           </a:xfrm>
           <a:prstGeom prst="rect">
             <a:avLst/>
@@ -6322,7 +6322,7 @@
         </p:nvSpPr>
         <p:spPr>
           <a:xfrm>
-            <a:off x="621792" y="3849624"/>
+            <a:off x="621792" y="4032504"/>
             <a:ext cx="457200" cy="457200"/>
           </a:xfrm>
           <a:prstGeom prst="ellipse">
@@ -6365,7 +6365,7 @@
         </p:nvSpPr>
         <p:spPr>
           <a:xfrm>
-            <a:off x="621792" y="3849624"/>
+            <a:off x="621792" y="4032504"/>
             <a:ext cx="457200" cy="457200"/>
           </a:xfrm>
           <a:prstGeom prst="rect">
@@ -6408,8 +6408,8 @@
         </p:nvSpPr>
         <p:spPr>
           <a:xfrm>
-            <a:off x="1234440" y="3758184"/>
-            <a:ext cx="6949440" cy="292608"/>
+            <a:off x="1234440" y="3922776"/>
+            <a:ext cx="6949440" cy="274320"/>
           </a:xfrm>
           <a:prstGeom prst="rect">
             <a:avLst/>
@@ -6451,8 +6451,8 @@
         </p:nvSpPr>
         <p:spPr>
           <a:xfrm>
-            <a:off x="1234440" y="4069080"/>
-            <a:ext cx="6949440" cy="384048"/>
+            <a:off x="1234440" y="4178808"/>
+            <a:ext cx="6949440" cy="475488"/>
           </a:xfrm>
           <a:prstGeom prst="rect">
             <a:avLst/>
@@ -9495,7 +9495,7 @@
               </a:spcAft>
             </a:pPr>
             <a:r>
-              <a:rPr sz="1000" b="0">
+              <a:rPr sz="900" b="0">
                 <a:solidFill>
                   <a:srgbClr val="475569"/>
                 </a:solidFill>
@@ -9514,8 +9514,8 @@
         </p:nvSpPr>
         <p:spPr>
           <a:xfrm>
-            <a:off x="457200" y="2980944"/>
-            <a:ext cx="1440180" cy="402336"/>
+            <a:off x="457200" y="2651760"/>
+            <a:ext cx="1440180" cy="347472"/>
           </a:xfrm>
           <a:prstGeom prst="rect">
             <a:avLst/>
@@ -9559,8 +9559,8 @@
         </p:nvSpPr>
         <p:spPr>
           <a:xfrm>
-            <a:off x="548640" y="2980944"/>
-            <a:ext cx="1257300" cy="402336"/>
+            <a:off x="548640" y="2651760"/>
+            <a:ext cx="1257300" cy="347472"/>
           </a:xfrm>
           <a:prstGeom prst="rect">
             <a:avLst/>
@@ -9602,8 +9602,8 @@
         </p:nvSpPr>
         <p:spPr>
           <a:xfrm>
-            <a:off x="2007108" y="2980944"/>
-            <a:ext cx="2674620" cy="402336"/>
+            <a:off x="2007108" y="2651760"/>
+            <a:ext cx="2674620" cy="347472"/>
           </a:xfrm>
           <a:prstGeom prst="rect">
             <a:avLst/>
@@ -9647,8 +9647,8 @@
         </p:nvSpPr>
         <p:spPr>
           <a:xfrm>
-            <a:off x="2098548" y="2980944"/>
-            <a:ext cx="2491740" cy="402336"/>
+            <a:off x="2098548" y="2651760"/>
+            <a:ext cx="2491740" cy="347472"/>
           </a:xfrm>
           <a:prstGeom prst="rect">
             <a:avLst/>
@@ -9690,8 +9690,8 @@
         </p:nvSpPr>
         <p:spPr>
           <a:xfrm>
-            <a:off x="4791456" y="2980944"/>
-            <a:ext cx="2880360" cy="402336"/>
+            <a:off x="4791456" y="2651760"/>
+            <a:ext cx="2880360" cy="347472"/>
           </a:xfrm>
           <a:prstGeom prst="rect">
             <a:avLst/>
@@ -9735,8 +9735,8 @@
         </p:nvSpPr>
         <p:spPr>
           <a:xfrm>
-            <a:off x="4882896" y="2980944"/>
-            <a:ext cx="2697480" cy="402336"/>
+            <a:off x="4882896" y="2651760"/>
+            <a:ext cx="2697480" cy="347472"/>
           </a:xfrm>
           <a:prstGeom prst="rect">
             <a:avLst/>
@@ -9778,8 +9778,8 @@
         </p:nvSpPr>
         <p:spPr>
           <a:xfrm>
-            <a:off x="457200" y="3456432"/>
-            <a:ext cx="1714500" cy="402336"/>
+            <a:off x="457200" y="3035808"/>
+            <a:ext cx="1714500" cy="347472"/>
           </a:xfrm>
           <a:prstGeom prst="rect">
             <a:avLst/>
@@ -9823,8 +9823,8 @@
         </p:nvSpPr>
         <p:spPr>
           <a:xfrm>
-            <a:off x="548640" y="3456432"/>
-            <a:ext cx="1531620" cy="402336"/>
+            <a:off x="548640" y="3035808"/>
+            <a:ext cx="1531620" cy="347472"/>
           </a:xfrm>
           <a:prstGeom prst="rect">
             <a:avLst/>
@@ -9866,8 +9866,8 @@
         </p:nvSpPr>
         <p:spPr>
           <a:xfrm>
-            <a:off x="2281428" y="3456432"/>
-            <a:ext cx="2057400" cy="402336"/>
+            <a:off x="2281428" y="3035808"/>
+            <a:ext cx="2057400" cy="347472"/>
           </a:xfrm>
           <a:prstGeom prst="rect">
             <a:avLst/>
@@ -9911,8 +9911,8 @@
         </p:nvSpPr>
         <p:spPr>
           <a:xfrm>
-            <a:off x="2372868" y="3456432"/>
-            <a:ext cx="1874520" cy="402336"/>
+            <a:off x="2372868" y="3035808"/>
+            <a:ext cx="1874520" cy="347472"/>
           </a:xfrm>
           <a:prstGeom prst="rect">
             <a:avLst/>
@@ -9954,8 +9954,8 @@
         </p:nvSpPr>
         <p:spPr>
           <a:xfrm>
-            <a:off x="4448556" y="3456432"/>
-            <a:ext cx="1645919" cy="402336"/>
+            <a:off x="4448556" y="3035808"/>
+            <a:ext cx="1645919" cy="347472"/>
           </a:xfrm>
           <a:prstGeom prst="rect">
             <a:avLst/>
@@ -9999,8 +9999,8 @@
         </p:nvSpPr>
         <p:spPr>
           <a:xfrm>
-            <a:off x="4539996" y="3456432"/>
-            <a:ext cx="1463039" cy="402336"/>
+            <a:off x="4539996" y="3035808"/>
+            <a:ext cx="1463039" cy="347472"/>
           </a:xfrm>
           <a:prstGeom prst="rect">
             <a:avLst/>
@@ -10042,8 +10042,8 @@
         </p:nvSpPr>
         <p:spPr>
           <a:xfrm>
-            <a:off x="457200" y="3931920"/>
-            <a:ext cx="3086100" cy="402336"/>
+            <a:off x="457200" y="3419856"/>
+            <a:ext cx="3086100" cy="347472"/>
           </a:xfrm>
           <a:prstGeom prst="rect">
             <a:avLst/>
@@ -10087,8 +10087,8 @@
         </p:nvSpPr>
         <p:spPr>
           <a:xfrm>
-            <a:off x="548640" y="3931920"/>
-            <a:ext cx="2903220" cy="402336"/>
+            <a:off x="548640" y="3419856"/>
+            <a:ext cx="2903220" cy="347472"/>
           </a:xfrm>
           <a:prstGeom prst="rect">
             <a:avLst/>
@@ -10125,6 +10125,135 @@
       <p:sp>
         <p:nvSpPr>
           <p:cNvPr id="22" name="Rectangle 21"/>
+          <p:cNvSpPr/>
+          <p:nvPr/>
+        </p:nvSpPr>
+        <p:spPr>
+          <a:xfrm>
+            <a:off x="457200" y="3858768"/>
+            <a:ext cx="7863840" cy="777240"/>
+          </a:xfrm>
+          <a:prstGeom prst="rect">
+            <a:avLst/>
+          </a:prstGeom>
+          <a:solidFill>
+            <a:srgbClr val="EFF6FF"/>
+          </a:solidFill>
+          <a:ln>
+            <a:noFill/>
+          </a:ln>
+        </p:spPr>
+        <p:style>
+          <a:lnRef idx="1">
+            <a:schemeClr val="accent1"/>
+          </a:lnRef>
+          <a:fillRef idx="3">
+            <a:schemeClr val="accent1"/>
+          </a:fillRef>
+          <a:effectRef idx="2">
+            <a:schemeClr val="accent1"/>
+          </a:effectRef>
+          <a:fontRef idx="minor">
+            <a:schemeClr val="lt1"/>
+          </a:fontRef>
+        </p:style>
+        <p:txBody>
+          <a:bodyPr rtlCol="0" anchor="ctr"/>
+          <a:lstStyle/>
+          <a:p>
+            <a:pPr algn="ctr"/>
+          </a:p>
+        </p:txBody>
+      </p:sp>
+      <p:sp>
+        <p:nvSpPr>
+          <p:cNvPr id="23" name="Rectangle 22"/>
+          <p:cNvSpPr/>
+          <p:nvPr/>
+        </p:nvSpPr>
+        <p:spPr>
+          <a:xfrm>
+            <a:off x="457200" y="3858768"/>
+            <a:ext cx="54864" cy="777240"/>
+          </a:xfrm>
+          <a:prstGeom prst="rect">
+            <a:avLst/>
+          </a:prstGeom>
+          <a:solidFill>
+            <a:srgbClr val="C9A962"/>
+          </a:solidFill>
+          <a:ln>
+            <a:noFill/>
+          </a:ln>
+        </p:spPr>
+        <p:style>
+          <a:lnRef idx="1">
+            <a:schemeClr val="accent1"/>
+          </a:lnRef>
+          <a:fillRef idx="3">
+            <a:schemeClr val="accent1"/>
+          </a:fillRef>
+          <a:effectRef idx="2">
+            <a:schemeClr val="accent1"/>
+          </a:effectRef>
+          <a:fontRef idx="minor">
+            <a:schemeClr val="lt1"/>
+          </a:fontRef>
+        </p:style>
+        <p:txBody>
+          <a:bodyPr rtlCol="0" anchor="ctr"/>
+          <a:lstStyle/>
+          <a:p>
+            <a:pPr algn="ctr"/>
+          </a:p>
+        </p:txBody>
+      </p:sp>
+      <p:sp>
+        <p:nvSpPr>
+          <p:cNvPr id="24" name="TextBox 23"/>
+          <p:cNvSpPr txBox="1"/>
+          <p:nvPr/>
+        </p:nvSpPr>
+        <p:spPr>
+          <a:xfrm>
+            <a:off x="685800" y="3931920"/>
+            <a:ext cx="7543800" cy="630936"/>
+          </a:xfrm>
+          <a:prstGeom prst="rect">
+            <a:avLst/>
+          </a:prstGeom>
+          <a:noFill/>
+        </p:spPr>
+        <p:txBody>
+          <a:bodyPr wrap="square"/>
+          <a:lstStyle/>
+          <a:p>
+            <a:pPr algn="l">
+              <a:lnSpc>
+                <a:spcPct val="135000"/>
+              </a:lnSpc>
+              <a:spcBef>
+                <a:spcPts val="0"/>
+              </a:spcBef>
+              <a:spcAft>
+                <a:spcPts val="0"/>
+              </a:spcAft>
+            </a:pPr>
+            <a:r>
+              <a:rPr sz="900" b="0">
+                <a:solidFill>
+                  <a:srgbClr val="1E293B"/>
+                </a:solidFill>
+                <a:latin typeface="Calibri"/>
+              </a:rPr>
+              <a:t>I read hundreds of gravestones one by one, searching for unclaimed remains. Names weathered away. Lives erased. When I finally delivered a family's bones home, they said: "No one remembers her anymore." Those words broke something in me. Memories vanish if you let them. That's when I decided to build something that lasts a thousand years.</a:t>
+            </a:r>
+          </a:p>
+        </p:txBody>
+      </p:sp>
+      <p:sp>
+        <p:nvSpPr>
+          <p:cNvPr id="25" name="Rectangle 24"/>
           <p:cNvSpPr/>
           <p:nvPr/>
         </p:nvSpPr>
@@ -10167,7 +10296,7 @@
       </p:sp>
       <p:sp>
         <p:nvSpPr>
-          <p:cNvPr id="23" name="TextBox 22"/>
+          <p:cNvPr id="26" name="TextBox 25"/>
           <p:cNvSpPr txBox="1"/>
           <p:nvPr/>
         </p:nvSpPr>
@@ -10210,7 +10339,7 @@
       </p:sp>
       <p:sp>
         <p:nvSpPr>
-          <p:cNvPr id="24" name="TextBox 23"/>
+          <p:cNvPr id="27" name="TextBox 26"/>
           <p:cNvSpPr txBox="1"/>
           <p:nvPr/>
         </p:nvSpPr>
@@ -10253,7 +10382,7 @@
       </p:sp>
       <p:sp>
         <p:nvSpPr>
-          <p:cNvPr id="25" name="TextBox 24"/>
+          <p:cNvPr id="28" name="TextBox 27"/>
           <p:cNvSpPr txBox="1"/>
           <p:nvPr/>
         </p:nvSpPr>

--- a/toki/tokistorage-client-deck-en.pptx
+++ b/toki/tokistorage-client-deck-en.pptx
@@ -10130,8 +10130,8 @@
         </p:nvSpPr>
         <p:spPr>
           <a:xfrm>
-            <a:off x="457200" y="3858768"/>
-            <a:ext cx="7863840" cy="777240"/>
+            <a:off x="457200" y="3931920"/>
+            <a:ext cx="7863840" cy="772668"/>
           </a:xfrm>
           <a:prstGeom prst="rect">
             <a:avLst/>
@@ -10173,8 +10173,8 @@
         </p:nvSpPr>
         <p:spPr>
           <a:xfrm>
-            <a:off x="457200" y="3858768"/>
-            <a:ext cx="54864" cy="777240"/>
+            <a:off x="457200" y="3931920"/>
+            <a:ext cx="54864" cy="772668"/>
           </a:xfrm>
           <a:prstGeom prst="rect">
             <a:avLst/>
@@ -10216,8 +10216,8 @@
         </p:nvSpPr>
         <p:spPr>
           <a:xfrm>
-            <a:off x="685800" y="3931920"/>
-            <a:ext cx="7543800" cy="630936"/>
+            <a:off x="685800" y="4005072"/>
+            <a:ext cx="7543800" cy="626364"/>
           </a:xfrm>
           <a:prstGeom prst="rect">
             <a:avLst/>
@@ -10246,7 +10246,7 @@
                 </a:solidFill>
                 <a:latin typeface="Calibri"/>
               </a:rPr>
-              <a:t>I read hundreds of gravestones one by one, searching for unclaimed remains. Names weathered away. Lives erased. When I finally delivered a family's bones home, they said: "No one remembers her anymore." Those words broke something in me. Memories vanish if you let them. That's when I decided to build something that lasts a thousand years.</a:t>
+              <a:t>I visited Pearl Harbor with my family, carrying a plate inscribed with a voice QR code of our prayers for peace—alongside the remains of our beloved dog, Pearl. That's when it hit me: wishes that transcend time transform into something greater—love, peace, hope. I want to share that transformation with as many people as possible. Through TokiStorage, I hope to walk that journey across time together with you.</a:t>
             </a:r>
           </a:p>
         </p:txBody>

--- a/toki/tokistorage-client-deck-en.pptx
+++ b/toki/tokistorage-client-deck-en.pptx
@@ -3394,7 +3394,7 @@
                 </a:solidFill>
                 <a:latin typeface="Calibri"/>
               </a:rPr>
-              <a:t>Universal Need Inc.</a:t>
+              <a:t>TokiStorage</a:t>
             </a:r>
           </a:p>
         </p:txBody>
@@ -9458,7 +9458,7 @@
                 </a:solidFill>
                 <a:latin typeface="Calibri"/>
               </a:rPr>
-              <a:t>Takuya Sato — CEO, Universal Need Inc.</a:t>
+              <a:t>Takuya Sato — Founder, TokiStorage</a:t>
             </a:r>
           </a:p>
         </p:txBody>
@@ -11296,7 +11296,7 @@
                 </a:solidFill>
                 <a:latin typeface="Calibri"/>
               </a:rPr>
-              <a:t>Takuya Sato — CEO, Universal Need Inc.</a:t>
+              <a:t>Takuya Sato — Founder, TokiStorage</a:t>
             </a:r>
           </a:p>
         </p:txBody>
@@ -11382,7 +11382,7 @@
                 </a:solidFill>
                 <a:latin typeface="Calibri"/>
               </a:rPr>
-              <a:t>Universal Need Inc. — TokiStorage</a:t>
+              <a:t>TokiStorage</a:t>
             </a:r>
           </a:p>
         </p:txBody>
@@ -11658,8 +11658,8 @@
                 </a:solidFill>
                 <a:latin typeface="Calibri"/>
               </a:rPr>
-              <a:t>This document has been prepared by Universal Need Inc. (the "Company") for the purpose of introducing our consulting services.
-The information contained herein reflects the Company's current views and plans and does not constitute a guarantee of accuracy, completeness, or future outcomes.
+              <a:t>This document has been prepared by TokiStorage (Takuya Sato) for the purpose of introducing our consulting services.
+The information contained herein reflects current views and plans and does not constitute a guarantee of accuracy, completeness, or future outcomes.
 This document is provided for informational purposes only and does not constitute legal, investment, or other professional advice.</a:t>
             </a:r>
           </a:p>
@@ -11703,7 +11703,7 @@
                 </a:solidFill>
                 <a:latin typeface="Calibri"/>
               </a:rPr>
-              <a:t>© 2026 Universal Need Inc. All rights reserved.</a:t>
+              <a:t>© 2026 TokiStorage / Takuya Sato. All rights reserved.</a:t>
             </a:r>
           </a:p>
         </p:txBody>
@@ -11789,7 +11789,7 @@
                 </a:solidFill>
                 <a:latin typeface="Calibri"/>
               </a:rPr>
-              <a:t>Universal Need Inc. — TokiStorage</a:t>
+              <a:t>TokiStorage</a:t>
             </a:r>
           </a:p>
         </p:txBody>
